--- a/2020年终个人总结汇报.pptx
+++ b/2020年终个人总结汇报.pptx
@@ -6,6 +6,19 @@
   </p:sldMasterIdLst>
   <p:sldIdLst>
     <p:sldId id="256" r:id="rId2"/>
+    <p:sldId id="257" r:id="rId3"/>
+    <p:sldId id="258" r:id="rId4"/>
+    <p:sldId id="259" r:id="rId5"/>
+    <p:sldId id="260" r:id="rId6"/>
+    <p:sldId id="261" r:id="rId7"/>
+    <p:sldId id="262" r:id="rId8"/>
+    <p:sldId id="263" r:id="rId9"/>
+    <p:sldId id="264" r:id="rId10"/>
+    <p:sldId id="265" r:id="rId11"/>
+    <p:sldId id="266" r:id="rId12"/>
+    <p:sldId id="267" r:id="rId13"/>
+    <p:sldId id="268" r:id="rId14"/>
+    <p:sldId id="269" r:id="rId15"/>
   </p:sldIdLst>
   <p:sldSz cx="12192000" cy="6858000"/>
   <p:notesSz cx="6858000" cy="9144000"/>
@@ -104,6 +117,11 @@
       </a:defRPr>
     </a:lvl9pPr>
   </p:defaultTextStyle>
+  <p:extLst>
+    <p:ext uri="{EFAFB233-063F-42B5-8137-9DF3F51BA10A}">
+      <p15:sldGuideLst xmlns:p15="http://schemas.microsoft.com/office/powerpoint/2012/main"/>
+    </p:ext>
+  </p:extLst>
 </p:presentation>
 </file>
 
@@ -238,7 +256,7 @@
           <a:p>
             <a:fld id="{384D2334-0EE5-4F34-8AD3-966E8FFECDD0}" type="datetimeFigureOut">
               <a:rPr lang="zh-CN" altLang="en-US" smtClean="0"/>
-              <a:t>2020/10/20</a:t>
+              <a:t>2020/11/3</a:t>
             </a:fld>
             <a:endParaRPr lang="zh-CN" altLang="en-US"/>
           </a:p>
@@ -408,7 +426,7 @@
           <a:p>
             <a:fld id="{384D2334-0EE5-4F34-8AD3-966E8FFECDD0}" type="datetimeFigureOut">
               <a:rPr lang="zh-CN" altLang="en-US" smtClean="0"/>
-              <a:t>2020/10/20</a:t>
+              <a:t>2020/11/3</a:t>
             </a:fld>
             <a:endParaRPr lang="zh-CN" altLang="en-US"/>
           </a:p>
@@ -588,7 +606,7 @@
           <a:p>
             <a:fld id="{384D2334-0EE5-4F34-8AD3-966E8FFECDD0}" type="datetimeFigureOut">
               <a:rPr lang="zh-CN" altLang="en-US" smtClean="0"/>
-              <a:t>2020/10/20</a:t>
+              <a:t>2020/11/3</a:t>
             </a:fld>
             <a:endParaRPr lang="zh-CN" altLang="en-US"/>
           </a:p>
@@ -758,7 +776,7 @@
           <a:p>
             <a:fld id="{384D2334-0EE5-4F34-8AD3-966E8FFECDD0}" type="datetimeFigureOut">
               <a:rPr lang="zh-CN" altLang="en-US" smtClean="0"/>
-              <a:t>2020/10/20</a:t>
+              <a:t>2020/11/3</a:t>
             </a:fld>
             <a:endParaRPr lang="zh-CN" altLang="en-US"/>
           </a:p>
@@ -1004,7 +1022,7 @@
           <a:p>
             <a:fld id="{384D2334-0EE5-4F34-8AD3-966E8FFECDD0}" type="datetimeFigureOut">
               <a:rPr lang="zh-CN" altLang="en-US" smtClean="0"/>
-              <a:t>2020/10/20</a:t>
+              <a:t>2020/11/3</a:t>
             </a:fld>
             <a:endParaRPr lang="zh-CN" altLang="en-US"/>
           </a:p>
@@ -1236,7 +1254,7 @@
           <a:p>
             <a:fld id="{384D2334-0EE5-4F34-8AD3-966E8FFECDD0}" type="datetimeFigureOut">
               <a:rPr lang="zh-CN" altLang="en-US" smtClean="0"/>
-              <a:t>2020/10/20</a:t>
+              <a:t>2020/11/3</a:t>
             </a:fld>
             <a:endParaRPr lang="zh-CN" altLang="en-US"/>
           </a:p>
@@ -1603,7 +1621,7 @@
           <a:p>
             <a:fld id="{384D2334-0EE5-4F34-8AD3-966E8FFECDD0}" type="datetimeFigureOut">
               <a:rPr lang="zh-CN" altLang="en-US" smtClean="0"/>
-              <a:t>2020/10/20</a:t>
+              <a:t>2020/11/3</a:t>
             </a:fld>
             <a:endParaRPr lang="zh-CN" altLang="en-US"/>
           </a:p>
@@ -1721,7 +1739,7 @@
           <a:p>
             <a:fld id="{384D2334-0EE5-4F34-8AD3-966E8FFECDD0}" type="datetimeFigureOut">
               <a:rPr lang="zh-CN" altLang="en-US" smtClean="0"/>
-              <a:t>2020/10/20</a:t>
+              <a:t>2020/11/3</a:t>
             </a:fld>
             <a:endParaRPr lang="zh-CN" altLang="en-US"/>
           </a:p>
@@ -1816,7 +1834,7 @@
           <a:p>
             <a:fld id="{384D2334-0EE5-4F34-8AD3-966E8FFECDD0}" type="datetimeFigureOut">
               <a:rPr lang="zh-CN" altLang="en-US" smtClean="0"/>
-              <a:t>2020/10/20</a:t>
+              <a:t>2020/11/3</a:t>
             </a:fld>
             <a:endParaRPr lang="zh-CN" altLang="en-US"/>
           </a:p>
@@ -2093,7 +2111,7 @@
           <a:p>
             <a:fld id="{384D2334-0EE5-4F34-8AD3-966E8FFECDD0}" type="datetimeFigureOut">
               <a:rPr lang="zh-CN" altLang="en-US" smtClean="0"/>
-              <a:t>2020/10/20</a:t>
+              <a:t>2020/11/3</a:t>
             </a:fld>
             <a:endParaRPr lang="zh-CN" altLang="en-US"/>
           </a:p>
@@ -2346,7 +2364,7 @@
           <a:p>
             <a:fld id="{384D2334-0EE5-4F34-8AD3-966E8FFECDD0}" type="datetimeFigureOut">
               <a:rPr lang="zh-CN" altLang="en-US" smtClean="0"/>
-              <a:t>2020/10/20</a:t>
+              <a:t>2020/11/3</a:t>
             </a:fld>
             <a:endParaRPr lang="zh-CN" altLang="en-US"/>
           </a:p>
@@ -2559,7 +2577,7 @@
           <a:p>
             <a:fld id="{384D2334-0EE5-4F34-8AD3-966E8FFECDD0}" type="datetimeFigureOut">
               <a:rPr lang="zh-CN" altLang="en-US" smtClean="0"/>
-              <a:t>2020/10/20</a:t>
+              <a:t>2020/11/3</a:t>
             </a:fld>
             <a:endParaRPr lang="zh-CN" altLang="en-US"/>
           </a:p>
@@ -2952,10 +2970,9 @@
   <p:cSld>
     <p:bg>
       <p:bgPr>
-        <a:blipFill>
-          <a:blip r:embed="rId2"/>
-          <a:tile tx="0" ty="0" sx="100000" sy="100000" flip="none" algn="tl"/>
-        </a:blipFill>
+        <a:solidFill>
+          <a:schemeClr val="bg1"/>
+        </a:solidFill>
         <a:effectLst/>
       </p:bgPr>
     </p:bg>
@@ -2994,8 +3011,16 @@
           <a:lstStyle/>
           <a:p>
             <a:r>
+              <a:rPr lang="en-US" altLang="zh-CN" dirty="0" smtClean="0"/>
+              <a:t>2020</a:t>
+            </a:r>
+            <a:r>
               <a:rPr lang="zh-CN" altLang="en-US" dirty="0" smtClean="0"/>
-              <a:t>年终个人总结汇报</a:t>
+              <a:t>年终</a:t>
+            </a:r>
+            <a:r>
+              <a:rPr lang="zh-CN" altLang="en-US" dirty="0" smtClean="0"/>
+              <a:t>个人总结汇报</a:t>
             </a:r>
             <a:endParaRPr lang="zh-CN" altLang="en-US" dirty="0"/>
           </a:p>
@@ -3039,6 +3064,1598 @@
   <p:clrMapOvr>
     <a:masterClrMapping/>
   </p:clrMapOvr>
+  <p:timing>
+    <p:tnLst>
+      <p:par>
+        <p:cTn id="1" dur="indefinite" restart="never" nodeType="tmRoot"/>
+      </p:par>
+    </p:tnLst>
+  </p:timing>
+</p:sld>
+</file>
+
+<file path=ppt/slides/slide10.xml><?xml version="1.0" encoding="utf-8"?>
+<p:sld xmlns:a="http://schemas.openxmlformats.org/drawingml/2006/main" xmlns:r="http://schemas.openxmlformats.org/officeDocument/2006/relationships" xmlns:p="http://schemas.openxmlformats.org/presentationml/2006/main">
+  <p:cSld>
+    <p:spTree>
+      <p:nvGrpSpPr>
+        <p:cNvPr id="1" name=""/>
+        <p:cNvGrpSpPr/>
+        <p:nvPr/>
+      </p:nvGrpSpPr>
+      <p:grpSpPr>
+        <a:xfrm>
+          <a:off x="0" y="0"/>
+          <a:ext cx="0" cy="0"/>
+          <a:chOff x="0" y="0"/>
+          <a:chExt cx="0" cy="0"/>
+        </a:xfrm>
+      </p:grpSpPr>
+      <p:pic>
+        <p:nvPicPr>
+          <p:cNvPr id="5" name="内容占位符 4"/>
+          <p:cNvPicPr>
+            <a:picLocks noGrp="1" noChangeAspect="1"/>
+          </p:cNvPicPr>
+          <p:nvPr>
+            <p:ph sz="half" idx="1"/>
+          </p:nvPr>
+        </p:nvPicPr>
+        <p:blipFill>
+          <a:blip r:embed="rId2"/>
+          <a:stretch>
+            <a:fillRect/>
+          </a:stretch>
+        </p:blipFill>
+        <p:spPr>
+          <a:xfrm>
+            <a:off x="692098" y="625151"/>
+            <a:ext cx="3831615" cy="5551488"/>
+          </a:xfrm>
+          <a:prstGeom prst="rect">
+            <a:avLst/>
+          </a:prstGeom>
+        </p:spPr>
+      </p:pic>
+      <p:pic>
+        <p:nvPicPr>
+          <p:cNvPr id="6" name="内容占位符 5"/>
+          <p:cNvPicPr>
+            <a:picLocks noGrp="1" noChangeAspect="1"/>
+          </p:cNvPicPr>
+          <p:nvPr>
+            <p:ph sz="half" idx="2"/>
+          </p:nvPr>
+        </p:nvPicPr>
+        <p:blipFill>
+          <a:blip r:embed="rId3"/>
+          <a:stretch>
+            <a:fillRect/>
+          </a:stretch>
+        </p:blipFill>
+        <p:spPr>
+          <a:xfrm>
+            <a:off x="6230677" y="625151"/>
+            <a:ext cx="4859373" cy="5551488"/>
+          </a:xfrm>
+          <a:prstGeom prst="rect">
+            <a:avLst/>
+          </a:prstGeom>
+        </p:spPr>
+      </p:pic>
+    </p:spTree>
+    <p:extLst>
+      <p:ext uri="{BB962C8B-B14F-4D97-AF65-F5344CB8AC3E}">
+        <p14:creationId xmlns:p14="http://schemas.microsoft.com/office/powerpoint/2010/main" val="1182425326"/>
+      </p:ext>
+    </p:extLst>
+  </p:cSld>
+  <p:clrMapOvr>
+    <a:masterClrMapping/>
+  </p:clrMapOvr>
+  <p:timing>
+    <p:tnLst>
+      <p:par>
+        <p:cTn id="1" dur="indefinite" restart="never" nodeType="tmRoot"/>
+      </p:par>
+    </p:tnLst>
+  </p:timing>
+</p:sld>
+</file>
+
+<file path=ppt/slides/slide11.xml><?xml version="1.0" encoding="utf-8"?>
+<p:sld xmlns:a="http://schemas.openxmlformats.org/drawingml/2006/main" xmlns:r="http://schemas.openxmlformats.org/officeDocument/2006/relationships" xmlns:p="http://schemas.openxmlformats.org/presentationml/2006/main">
+  <p:cSld>
+    <p:spTree>
+      <p:nvGrpSpPr>
+        <p:cNvPr id="1" name=""/>
+        <p:cNvGrpSpPr/>
+        <p:nvPr/>
+      </p:nvGrpSpPr>
+      <p:grpSpPr>
+        <a:xfrm>
+          <a:off x="0" y="0"/>
+          <a:ext cx="0" cy="0"/>
+          <a:chOff x="0" y="0"/>
+          <a:chExt cx="0" cy="0"/>
+        </a:xfrm>
+      </p:grpSpPr>
+      <p:pic>
+        <p:nvPicPr>
+          <p:cNvPr id="5" name="内容占位符 4"/>
+          <p:cNvPicPr>
+            <a:picLocks noGrp="1" noChangeAspect="1"/>
+          </p:cNvPicPr>
+          <p:nvPr>
+            <p:ph sz="half" idx="1"/>
+          </p:nvPr>
+        </p:nvPicPr>
+        <p:blipFill>
+          <a:blip r:embed="rId2"/>
+          <a:stretch>
+            <a:fillRect/>
+          </a:stretch>
+        </p:blipFill>
+        <p:spPr>
+          <a:xfrm>
+            <a:off x="625918" y="606490"/>
+            <a:ext cx="4057281" cy="5570538"/>
+          </a:xfrm>
+          <a:prstGeom prst="rect">
+            <a:avLst/>
+          </a:prstGeom>
+        </p:spPr>
+      </p:pic>
+      <p:pic>
+        <p:nvPicPr>
+          <p:cNvPr id="6" name="内容占位符 5"/>
+          <p:cNvPicPr>
+            <a:picLocks noGrp="1" noChangeAspect="1"/>
+          </p:cNvPicPr>
+          <p:nvPr>
+            <p:ph sz="half" idx="2"/>
+          </p:nvPr>
+        </p:nvPicPr>
+        <p:blipFill>
+          <a:blip r:embed="rId3"/>
+          <a:stretch>
+            <a:fillRect/>
+          </a:stretch>
+        </p:blipFill>
+        <p:spPr>
+          <a:xfrm>
+            <a:off x="6181530" y="606490"/>
+            <a:ext cx="4072813" cy="1127296"/>
+          </a:xfrm>
+          <a:prstGeom prst="rect">
+            <a:avLst/>
+          </a:prstGeom>
+        </p:spPr>
+      </p:pic>
+      <p:pic>
+        <p:nvPicPr>
+          <p:cNvPr id="8" name="图片 7"/>
+          <p:cNvPicPr>
+            <a:picLocks noChangeAspect="1"/>
+          </p:cNvPicPr>
+          <p:nvPr/>
+        </p:nvPicPr>
+        <p:blipFill>
+          <a:blip r:embed="rId4"/>
+          <a:stretch>
+            <a:fillRect/>
+          </a:stretch>
+        </p:blipFill>
+        <p:spPr>
+          <a:xfrm>
+            <a:off x="6181529" y="2818120"/>
+            <a:ext cx="5394095" cy="1847186"/>
+          </a:xfrm>
+          <a:prstGeom prst="rect">
+            <a:avLst/>
+          </a:prstGeom>
+        </p:spPr>
+      </p:pic>
+      <p:sp>
+        <p:nvSpPr>
+          <p:cNvPr id="9" name="文本框 8"/>
+          <p:cNvSpPr txBox="1"/>
+          <p:nvPr/>
+        </p:nvSpPr>
+        <p:spPr>
+          <a:xfrm>
+            <a:off x="6181529" y="2248677"/>
+            <a:ext cx="2547257" cy="369332"/>
+          </a:xfrm>
+          <a:prstGeom prst="rect">
+            <a:avLst/>
+          </a:prstGeom>
+          <a:noFill/>
+        </p:spPr>
+        <p:txBody>
+          <a:bodyPr wrap="square" rtlCol="0">
+            <a:spAutoFit/>
+          </a:bodyPr>
+          <a:lstStyle/>
+          <a:p>
+            <a:r>
+              <a:rPr lang="en-US" altLang="zh-CN" dirty="0" smtClean="0"/>
+              <a:t>API</a:t>
+            </a:r>
+            <a:endParaRPr lang="zh-CN" altLang="en-US" dirty="0"/>
+          </a:p>
+        </p:txBody>
+      </p:sp>
+    </p:spTree>
+    <p:extLst>
+      <p:ext uri="{BB962C8B-B14F-4D97-AF65-F5344CB8AC3E}">
+        <p14:creationId xmlns:p14="http://schemas.microsoft.com/office/powerpoint/2010/main" val="2821962716"/>
+      </p:ext>
+    </p:extLst>
+  </p:cSld>
+  <p:clrMapOvr>
+    <a:masterClrMapping/>
+  </p:clrMapOvr>
+  <p:timing>
+    <p:tnLst>
+      <p:par>
+        <p:cTn id="1" dur="indefinite" restart="never" nodeType="tmRoot"/>
+      </p:par>
+    </p:tnLst>
+  </p:timing>
+</p:sld>
+</file>
+
+<file path=ppt/slides/slide12.xml><?xml version="1.0" encoding="utf-8"?>
+<p:sld xmlns:a="http://schemas.openxmlformats.org/drawingml/2006/main" xmlns:r="http://schemas.openxmlformats.org/officeDocument/2006/relationships" xmlns:p="http://schemas.openxmlformats.org/presentationml/2006/main">
+  <p:cSld>
+    <p:spTree>
+      <p:nvGrpSpPr>
+        <p:cNvPr id="1" name=""/>
+        <p:cNvGrpSpPr/>
+        <p:nvPr/>
+      </p:nvGrpSpPr>
+      <p:grpSpPr>
+        <a:xfrm>
+          <a:off x="0" y="0"/>
+          <a:ext cx="0" cy="0"/>
+          <a:chOff x="0" y="0"/>
+          <a:chExt cx="0" cy="0"/>
+        </a:xfrm>
+      </p:grpSpPr>
+      <p:sp>
+        <p:nvSpPr>
+          <p:cNvPr id="2" name="标题 1"/>
+          <p:cNvSpPr>
+            <a:spLocks noGrp="1"/>
+          </p:cNvSpPr>
+          <p:nvPr>
+            <p:ph type="title"/>
+          </p:nvPr>
+        </p:nvSpPr>
+        <p:spPr/>
+        <p:txBody>
+          <a:bodyPr/>
+          <a:lstStyle/>
+          <a:p>
+            <a:r>
+              <a:rPr lang="zh-CN" altLang="en-US" dirty="0" smtClean="0"/>
+              <a:t>功能展示</a:t>
+            </a:r>
+            <a:endParaRPr lang="zh-CN" altLang="en-US" dirty="0"/>
+          </a:p>
+        </p:txBody>
+      </p:sp>
+      <p:sp>
+        <p:nvSpPr>
+          <p:cNvPr id="3" name="内容占位符 2"/>
+          <p:cNvSpPr>
+            <a:spLocks noGrp="1"/>
+          </p:cNvSpPr>
+          <p:nvPr>
+            <p:ph sz="half" idx="1"/>
+          </p:nvPr>
+        </p:nvSpPr>
+        <p:spPr>
+          <a:xfrm>
+            <a:off x="838200" y="1825625"/>
+            <a:ext cx="5181600" cy="460375"/>
+          </a:xfrm>
+        </p:spPr>
+        <p:txBody>
+          <a:bodyPr>
+            <a:normAutofit lnSpcReduction="10000"/>
+          </a:bodyPr>
+          <a:lstStyle/>
+          <a:p>
+            <a:pPr marL="0" indent="0">
+              <a:buNone/>
+            </a:pPr>
+            <a:r>
+              <a:rPr lang="zh-CN" altLang="en-US" dirty="0" smtClean="0">
+                <a:hlinkClick r:id="rId2"/>
+              </a:rPr>
+              <a:t>点击前往</a:t>
+            </a:r>
+            <a:endParaRPr lang="zh-CN" altLang="en-US" dirty="0"/>
+          </a:p>
+        </p:txBody>
+      </p:sp>
+    </p:spTree>
+    <p:extLst>
+      <p:ext uri="{BB962C8B-B14F-4D97-AF65-F5344CB8AC3E}">
+        <p14:creationId xmlns:p14="http://schemas.microsoft.com/office/powerpoint/2010/main" val="3698370398"/>
+      </p:ext>
+    </p:extLst>
+  </p:cSld>
+  <p:clrMapOvr>
+    <a:masterClrMapping/>
+  </p:clrMapOvr>
+  <p:timing>
+    <p:tnLst>
+      <p:par>
+        <p:cTn id="1" dur="indefinite" restart="never" nodeType="tmRoot"/>
+      </p:par>
+    </p:tnLst>
+  </p:timing>
+</p:sld>
+</file>
+
+<file path=ppt/slides/slide13.xml><?xml version="1.0" encoding="utf-8"?>
+<p:sld xmlns:a="http://schemas.openxmlformats.org/drawingml/2006/main" xmlns:r="http://schemas.openxmlformats.org/officeDocument/2006/relationships" xmlns:p="http://schemas.openxmlformats.org/presentationml/2006/main">
+  <p:cSld>
+    <p:spTree>
+      <p:nvGrpSpPr>
+        <p:cNvPr id="1" name=""/>
+        <p:cNvGrpSpPr/>
+        <p:nvPr/>
+      </p:nvGrpSpPr>
+      <p:grpSpPr>
+        <a:xfrm>
+          <a:off x="0" y="0"/>
+          <a:ext cx="0" cy="0"/>
+          <a:chOff x="0" y="0"/>
+          <a:chExt cx="0" cy="0"/>
+        </a:xfrm>
+      </p:grpSpPr>
+      <p:sp>
+        <p:nvSpPr>
+          <p:cNvPr id="2" name="标题 1"/>
+          <p:cNvSpPr>
+            <a:spLocks noGrp="1"/>
+          </p:cNvSpPr>
+          <p:nvPr>
+            <p:ph type="title"/>
+          </p:nvPr>
+        </p:nvSpPr>
+        <p:spPr>
+          <a:xfrm>
+            <a:off x="838200" y="365125"/>
+            <a:ext cx="10515600" cy="763879"/>
+          </a:xfrm>
+        </p:spPr>
+        <p:txBody>
+          <a:bodyPr>
+            <a:normAutofit/>
+          </a:bodyPr>
+          <a:lstStyle/>
+          <a:p>
+            <a:r>
+              <a:rPr lang="zh-CN" altLang="en-US" sz="3600" dirty="0" smtClean="0"/>
+              <a:t>自我总结</a:t>
+            </a:r>
+            <a:endParaRPr lang="zh-CN" altLang="en-US" sz="3600" dirty="0"/>
+          </a:p>
+        </p:txBody>
+      </p:sp>
+      <p:sp>
+        <p:nvSpPr>
+          <p:cNvPr id="5" name="内容占位符 4"/>
+          <p:cNvSpPr>
+            <a:spLocks noGrp="1"/>
+          </p:cNvSpPr>
+          <p:nvPr>
+            <p:ph idx="1"/>
+          </p:nvPr>
+        </p:nvSpPr>
+        <p:spPr>
+          <a:xfrm>
+            <a:off x="838200" y="1362269"/>
+            <a:ext cx="10515600" cy="4814694"/>
+          </a:xfrm>
+        </p:spPr>
+        <p:txBody>
+          <a:bodyPr/>
+          <a:lstStyle/>
+          <a:p>
+            <a:r>
+              <a:rPr lang="zh-CN" altLang="en-US" dirty="0" smtClean="0"/>
+              <a:t>很高兴能加入天华这个大家庭，和这么多优秀的同事共事。</a:t>
+            </a:r>
+            <a:endParaRPr lang="en-US" altLang="zh-CN" dirty="0" smtClean="0"/>
+          </a:p>
+          <a:p>
+            <a:r>
+              <a:rPr lang="zh-CN" altLang="en-US" dirty="0" smtClean="0"/>
+              <a:t>慢慢对建筑设计行业有了一定的认识，比如专业划分、建筑标准等。</a:t>
+            </a:r>
+            <a:endParaRPr lang="en-US" altLang="zh-CN" dirty="0" smtClean="0"/>
+          </a:p>
+          <a:p>
+            <a:r>
+              <a:rPr lang="zh-CN" altLang="en-US" dirty="0" smtClean="0"/>
+              <a:t>在工作中，同时也认识到了自己不足的地方。</a:t>
+            </a:r>
+            <a:endParaRPr lang="en-US" altLang="zh-CN" dirty="0" smtClean="0"/>
+          </a:p>
+          <a:p>
+            <a:pPr marL="971550" lvl="1" indent="-514350">
+              <a:buFont typeface="+mj-lt"/>
+              <a:buAutoNum type="arabicPeriod"/>
+            </a:pPr>
+            <a:r>
+              <a:rPr lang="zh-CN" altLang="en-US" dirty="0" smtClean="0"/>
+              <a:t>行业经验少，有时候提出的解决方案不符合实际情况；</a:t>
+            </a:r>
+            <a:endParaRPr lang="en-US" altLang="zh-CN" dirty="0"/>
+          </a:p>
+          <a:p>
+            <a:pPr marL="971550" lvl="1" indent="-514350">
+              <a:buFont typeface="+mj-lt"/>
+              <a:buAutoNum type="arabicPeriod"/>
+            </a:pPr>
+            <a:r>
+              <a:rPr lang="zh-CN" altLang="en-US" dirty="0" smtClean="0"/>
+              <a:t>代码提交尽量划分更加细致</a:t>
+            </a:r>
+            <a:endParaRPr lang="en-US" altLang="zh-CN" dirty="0" smtClean="0"/>
+          </a:p>
+          <a:p>
+            <a:pPr marL="971550" lvl="1" indent="-514350">
+              <a:buFont typeface="+mj-lt"/>
+              <a:buAutoNum type="arabicPeriod"/>
+            </a:pPr>
+            <a:r>
+              <a:rPr lang="zh-CN" altLang="en-US" dirty="0" smtClean="0"/>
+              <a:t>需要加强专业知识的学习，跟紧时代的发展</a:t>
+            </a:r>
+            <a:endParaRPr lang="en-US" altLang="zh-CN" dirty="0" smtClean="0"/>
+          </a:p>
+        </p:txBody>
+      </p:sp>
+    </p:spTree>
+    <p:extLst>
+      <p:ext uri="{BB962C8B-B14F-4D97-AF65-F5344CB8AC3E}">
+        <p14:creationId xmlns:p14="http://schemas.microsoft.com/office/powerpoint/2010/main" val="3532454374"/>
+      </p:ext>
+    </p:extLst>
+  </p:cSld>
+  <p:clrMapOvr>
+    <a:masterClrMapping/>
+  </p:clrMapOvr>
+  <p:timing>
+    <p:tnLst>
+      <p:par>
+        <p:cTn id="1" dur="indefinite" restart="never" nodeType="tmRoot"/>
+      </p:par>
+    </p:tnLst>
+  </p:timing>
+</p:sld>
+</file>
+
+<file path=ppt/slides/slide14.xml><?xml version="1.0" encoding="utf-8"?>
+<p:sld xmlns:a="http://schemas.openxmlformats.org/drawingml/2006/main" xmlns:r="http://schemas.openxmlformats.org/officeDocument/2006/relationships" xmlns:p="http://schemas.openxmlformats.org/presentationml/2006/main">
+  <p:cSld>
+    <p:spTree>
+      <p:nvGrpSpPr>
+        <p:cNvPr id="1" name=""/>
+        <p:cNvGrpSpPr/>
+        <p:nvPr/>
+      </p:nvGrpSpPr>
+      <p:grpSpPr>
+        <a:xfrm>
+          <a:off x="0" y="0"/>
+          <a:ext cx="0" cy="0"/>
+          <a:chOff x="0" y="0"/>
+          <a:chExt cx="0" cy="0"/>
+        </a:xfrm>
+      </p:grpSpPr>
+      <p:sp>
+        <p:nvSpPr>
+          <p:cNvPr id="5" name="文本框 4"/>
+          <p:cNvSpPr txBox="1"/>
+          <p:nvPr/>
+        </p:nvSpPr>
+        <p:spPr>
+          <a:xfrm>
+            <a:off x="5131835" y="1651519"/>
+            <a:ext cx="2031325" cy="646331"/>
+          </a:xfrm>
+          <a:prstGeom prst="rect">
+            <a:avLst/>
+          </a:prstGeom>
+          <a:noFill/>
+        </p:spPr>
+        <p:txBody>
+          <a:bodyPr wrap="none" rtlCol="0">
+            <a:spAutoFit/>
+          </a:bodyPr>
+          <a:lstStyle/>
+          <a:p>
+            <a:r>
+              <a:rPr lang="zh-CN" altLang="en-US" sz="3600" dirty="0" smtClean="0"/>
+              <a:t>宣讲完毕</a:t>
+            </a:r>
+            <a:endParaRPr lang="zh-CN" altLang="en-US" sz="3600" dirty="0"/>
+          </a:p>
+        </p:txBody>
+      </p:sp>
+      <p:sp>
+        <p:nvSpPr>
+          <p:cNvPr id="7" name="文本框 6"/>
+          <p:cNvSpPr txBox="1"/>
+          <p:nvPr/>
+        </p:nvSpPr>
+        <p:spPr>
+          <a:xfrm>
+            <a:off x="4659420" y="2640564"/>
+            <a:ext cx="3495535" cy="707886"/>
+          </a:xfrm>
+          <a:prstGeom prst="rect">
+            <a:avLst/>
+          </a:prstGeom>
+          <a:noFill/>
+        </p:spPr>
+        <p:txBody>
+          <a:bodyPr wrap="square" rtlCol="0">
+            <a:spAutoFit/>
+          </a:bodyPr>
+          <a:lstStyle/>
+          <a:p>
+            <a:r>
+              <a:rPr lang="zh-CN" altLang="en-US" sz="4000" dirty="0" smtClean="0"/>
+              <a:t>感谢您的聆听！</a:t>
+            </a:r>
+            <a:endParaRPr lang="zh-CN" altLang="en-US" sz="4000" dirty="0"/>
+          </a:p>
+        </p:txBody>
+      </p:sp>
+    </p:spTree>
+    <p:extLst>
+      <p:ext uri="{BB962C8B-B14F-4D97-AF65-F5344CB8AC3E}">
+        <p14:creationId xmlns:p14="http://schemas.microsoft.com/office/powerpoint/2010/main" val="1734173998"/>
+      </p:ext>
+    </p:extLst>
+  </p:cSld>
+  <p:clrMapOvr>
+    <a:masterClrMapping/>
+  </p:clrMapOvr>
+  <p:timing>
+    <p:tnLst>
+      <p:par>
+        <p:cTn id="1" dur="indefinite" restart="never" nodeType="tmRoot"/>
+      </p:par>
+    </p:tnLst>
+  </p:timing>
+</p:sld>
+</file>
+
+<file path=ppt/slides/slide2.xml><?xml version="1.0" encoding="utf-8"?>
+<p:sld xmlns:a="http://schemas.openxmlformats.org/drawingml/2006/main" xmlns:r="http://schemas.openxmlformats.org/officeDocument/2006/relationships" xmlns:p="http://schemas.openxmlformats.org/presentationml/2006/main">
+  <p:cSld>
+    <p:spTree>
+      <p:nvGrpSpPr>
+        <p:cNvPr id="1" name=""/>
+        <p:cNvGrpSpPr/>
+        <p:nvPr/>
+      </p:nvGrpSpPr>
+      <p:grpSpPr>
+        <a:xfrm>
+          <a:off x="0" y="0"/>
+          <a:ext cx="0" cy="0"/>
+          <a:chOff x="0" y="0"/>
+          <a:chExt cx="0" cy="0"/>
+        </a:xfrm>
+      </p:grpSpPr>
+      <p:sp>
+        <p:nvSpPr>
+          <p:cNvPr id="4" name="标题 3"/>
+          <p:cNvSpPr>
+            <a:spLocks noGrp="1"/>
+          </p:cNvSpPr>
+          <p:nvPr>
+            <p:ph type="title"/>
+          </p:nvPr>
+        </p:nvSpPr>
+        <p:spPr/>
+        <p:txBody>
+          <a:bodyPr/>
+          <a:lstStyle/>
+          <a:p>
+            <a:r>
+              <a:rPr lang="zh-CN" altLang="en-US" dirty="0" smtClean="0"/>
+              <a:t>参与的项目</a:t>
+            </a:r>
+            <a:endParaRPr lang="zh-CN" altLang="en-US" dirty="0"/>
+          </a:p>
+        </p:txBody>
+      </p:sp>
+      <p:sp>
+        <p:nvSpPr>
+          <p:cNvPr id="5" name="内容占位符 4"/>
+          <p:cNvSpPr>
+            <a:spLocks noGrp="1"/>
+          </p:cNvSpPr>
+          <p:nvPr>
+            <p:ph idx="1"/>
+          </p:nvPr>
+        </p:nvSpPr>
+        <p:spPr/>
+        <p:txBody>
+          <a:bodyPr/>
+          <a:lstStyle/>
+          <a:p>
+            <a:r>
+              <a:rPr lang="zh-CN" altLang="en-US" dirty="0" smtClean="0"/>
+              <a:t>官网</a:t>
+            </a:r>
+            <a:endParaRPr lang="en-US" altLang="zh-CN" dirty="0" smtClean="0"/>
+          </a:p>
+          <a:p>
+            <a:r>
+              <a:rPr lang="zh-CN" altLang="en-US" dirty="0" smtClean="0"/>
+              <a:t>绿建评价系统</a:t>
+            </a:r>
+            <a:endParaRPr lang="zh-CN" altLang="en-US" dirty="0"/>
+          </a:p>
+        </p:txBody>
+      </p:sp>
+    </p:spTree>
+    <p:extLst>
+      <p:ext uri="{BB962C8B-B14F-4D97-AF65-F5344CB8AC3E}">
+        <p14:creationId xmlns:p14="http://schemas.microsoft.com/office/powerpoint/2010/main" val="1364532566"/>
+      </p:ext>
+    </p:extLst>
+  </p:cSld>
+  <p:clrMapOvr>
+    <a:masterClrMapping/>
+  </p:clrMapOvr>
+  <p:timing>
+    <p:tnLst>
+      <p:par>
+        <p:cTn id="1" dur="indefinite" restart="never" nodeType="tmRoot"/>
+      </p:par>
+    </p:tnLst>
+  </p:timing>
+</p:sld>
+</file>
+
+<file path=ppt/slides/slide3.xml><?xml version="1.0" encoding="utf-8"?>
+<p:sld xmlns:a="http://schemas.openxmlformats.org/drawingml/2006/main" xmlns:r="http://schemas.openxmlformats.org/officeDocument/2006/relationships" xmlns:p="http://schemas.openxmlformats.org/presentationml/2006/main">
+  <p:cSld>
+    <p:spTree>
+      <p:nvGrpSpPr>
+        <p:cNvPr id="1" name=""/>
+        <p:cNvGrpSpPr/>
+        <p:nvPr/>
+      </p:nvGrpSpPr>
+      <p:grpSpPr>
+        <a:xfrm>
+          <a:off x="0" y="0"/>
+          <a:ext cx="0" cy="0"/>
+          <a:chOff x="0" y="0"/>
+          <a:chExt cx="0" cy="0"/>
+        </a:xfrm>
+      </p:grpSpPr>
+      <p:sp>
+        <p:nvSpPr>
+          <p:cNvPr id="2" name="标题 1"/>
+          <p:cNvSpPr>
+            <a:spLocks noGrp="1"/>
+          </p:cNvSpPr>
+          <p:nvPr>
+            <p:ph type="title"/>
+          </p:nvPr>
+        </p:nvSpPr>
+        <p:spPr/>
+        <p:txBody>
+          <a:bodyPr/>
+          <a:lstStyle/>
+          <a:p>
+            <a:r>
+              <a:rPr lang="zh-CN" altLang="en-US" dirty="0"/>
+              <a:t>官网</a:t>
+            </a:r>
+          </a:p>
+        </p:txBody>
+      </p:sp>
+      <p:sp>
+        <p:nvSpPr>
+          <p:cNvPr id="3" name="内容占位符 2"/>
+          <p:cNvSpPr>
+            <a:spLocks noGrp="1"/>
+          </p:cNvSpPr>
+          <p:nvPr>
+            <p:ph sz="half" idx="1"/>
+          </p:nvPr>
+        </p:nvSpPr>
+        <p:spPr/>
+        <p:txBody>
+          <a:bodyPr/>
+          <a:lstStyle/>
+          <a:p>
+            <a:pPr marL="0" indent="0">
+              <a:buNone/>
+            </a:pPr>
+            <a:r>
+              <a:rPr lang="zh-CN" altLang="en-US" dirty="0" smtClean="0"/>
+              <a:t>代码行数</a:t>
+            </a:r>
+            <a:endParaRPr lang="en-US" altLang="zh-CN" dirty="0" smtClean="0"/>
+          </a:p>
+          <a:p>
+            <a:pPr marL="0" indent="0">
+              <a:buNone/>
+            </a:pPr>
+            <a:endParaRPr lang="en-US" altLang="zh-CN" dirty="0" smtClean="0"/>
+          </a:p>
+          <a:p>
+            <a:r>
+              <a:rPr lang="zh-CN" altLang="zh-CN" sz="2000" dirty="0"/>
+              <a:t>增加的行数</a:t>
+            </a:r>
+            <a:r>
+              <a:rPr lang="en-US" altLang="zh-CN" sz="2000" dirty="0" smtClean="0"/>
+              <a:t>: 6373</a:t>
+            </a:r>
+          </a:p>
+          <a:p>
+            <a:r>
+              <a:rPr lang="zh-CN" altLang="zh-CN" sz="2000" dirty="0" smtClean="0"/>
+              <a:t>删除</a:t>
+            </a:r>
+            <a:r>
+              <a:rPr lang="zh-CN" altLang="zh-CN" sz="2000" dirty="0"/>
+              <a:t>的行数</a:t>
+            </a:r>
+            <a:r>
+              <a:rPr lang="en-US" altLang="zh-CN" sz="2000" dirty="0" smtClean="0"/>
+              <a:t>: 4520</a:t>
+            </a:r>
+          </a:p>
+          <a:p>
+            <a:r>
+              <a:rPr lang="zh-CN" altLang="zh-CN" sz="2000" dirty="0" smtClean="0"/>
+              <a:t>总行</a:t>
+            </a:r>
+            <a:r>
+              <a:rPr lang="zh-CN" altLang="zh-CN" sz="2000" dirty="0"/>
+              <a:t>数</a:t>
+            </a:r>
+            <a:r>
+              <a:rPr lang="en-US" altLang="zh-CN" sz="2000" dirty="0"/>
+              <a:t>: 1853</a:t>
+            </a:r>
+            <a:endParaRPr lang="zh-CN" altLang="en-US" sz="2000" dirty="0"/>
+          </a:p>
+        </p:txBody>
+      </p:sp>
+      <p:sp>
+        <p:nvSpPr>
+          <p:cNvPr id="4" name="内容占位符 3"/>
+          <p:cNvSpPr>
+            <a:spLocks noGrp="1"/>
+          </p:cNvSpPr>
+          <p:nvPr>
+            <p:ph sz="half" idx="2"/>
+          </p:nvPr>
+        </p:nvSpPr>
+        <p:spPr/>
+        <p:txBody>
+          <a:bodyPr/>
+          <a:lstStyle/>
+          <a:p>
+            <a:pPr marL="0" indent="0">
+              <a:buNone/>
+            </a:pPr>
+            <a:r>
+              <a:rPr lang="zh-CN" altLang="en-US" dirty="0" smtClean="0"/>
+              <a:t>功能</a:t>
+            </a:r>
+            <a:endParaRPr lang="en-US" altLang="zh-CN" dirty="0" smtClean="0"/>
+          </a:p>
+          <a:p>
+            <a:pPr marL="0" indent="0">
+              <a:buNone/>
+            </a:pPr>
+            <a:endParaRPr lang="en-US" altLang="zh-CN" dirty="0" smtClean="0"/>
+          </a:p>
+          <a:p>
+            <a:r>
+              <a:rPr lang="zh-CN" altLang="en-US" sz="2000" dirty="0" smtClean="0"/>
+              <a:t>导航栏</a:t>
+            </a:r>
+            <a:endParaRPr lang="en-US" altLang="zh-CN" sz="2000" dirty="0" smtClean="0"/>
+          </a:p>
+          <a:p>
+            <a:r>
+              <a:rPr lang="zh-CN" altLang="en-US" sz="2000" dirty="0" smtClean="0"/>
+              <a:t>幻灯片</a:t>
+            </a:r>
+            <a:endParaRPr lang="en-US" altLang="zh-CN" sz="2000" dirty="0" smtClean="0"/>
+          </a:p>
+          <a:p>
+            <a:r>
+              <a:rPr lang="zh-CN" altLang="en-US" sz="2000" dirty="0" smtClean="0"/>
+              <a:t>作品首页</a:t>
+            </a:r>
+            <a:endParaRPr lang="en-US" altLang="zh-CN" sz="2000" dirty="0" smtClean="0"/>
+          </a:p>
+          <a:p>
+            <a:r>
+              <a:rPr lang="zh-CN" altLang="en-US" sz="2000" dirty="0"/>
+              <a:t>响应式</a:t>
+            </a:r>
+            <a:endParaRPr lang="en-US" altLang="zh-CN" sz="2000" dirty="0" smtClean="0"/>
+          </a:p>
+          <a:p>
+            <a:r>
+              <a:rPr lang="zh-CN" altLang="en-US" sz="2000" dirty="0" smtClean="0"/>
+              <a:t>其他</a:t>
+            </a:r>
+            <a:endParaRPr lang="en-US" altLang="zh-CN" sz="2000" dirty="0" smtClean="0"/>
+          </a:p>
+        </p:txBody>
+      </p:sp>
+    </p:spTree>
+    <p:extLst>
+      <p:ext uri="{BB962C8B-B14F-4D97-AF65-F5344CB8AC3E}">
+        <p14:creationId xmlns:p14="http://schemas.microsoft.com/office/powerpoint/2010/main" val="1472502903"/>
+      </p:ext>
+    </p:extLst>
+  </p:cSld>
+  <p:clrMapOvr>
+    <a:masterClrMapping/>
+  </p:clrMapOvr>
+  <p:timing>
+    <p:tnLst>
+      <p:par>
+        <p:cTn id="1" dur="indefinite" restart="never" nodeType="tmRoot"/>
+      </p:par>
+    </p:tnLst>
+  </p:timing>
+</p:sld>
+</file>
+
+<file path=ppt/slides/slide4.xml><?xml version="1.0" encoding="utf-8"?>
+<p:sld xmlns:a="http://schemas.openxmlformats.org/drawingml/2006/main" xmlns:r="http://schemas.openxmlformats.org/officeDocument/2006/relationships" xmlns:p="http://schemas.openxmlformats.org/presentationml/2006/main">
+  <p:cSld>
+    <p:spTree>
+      <p:nvGrpSpPr>
+        <p:cNvPr id="1" name=""/>
+        <p:cNvGrpSpPr/>
+        <p:nvPr/>
+      </p:nvGrpSpPr>
+      <p:grpSpPr>
+        <a:xfrm>
+          <a:off x="0" y="0"/>
+          <a:ext cx="0" cy="0"/>
+          <a:chOff x="0" y="0"/>
+          <a:chExt cx="0" cy="0"/>
+        </a:xfrm>
+      </p:grpSpPr>
+      <p:sp>
+        <p:nvSpPr>
+          <p:cNvPr id="5" name="标题 4"/>
+          <p:cNvSpPr>
+            <a:spLocks noGrp="1"/>
+          </p:cNvSpPr>
+          <p:nvPr>
+            <p:ph type="title"/>
+          </p:nvPr>
+        </p:nvSpPr>
+        <p:spPr>
+          <a:xfrm>
+            <a:off x="838200" y="365126"/>
+            <a:ext cx="10515600" cy="446638"/>
+          </a:xfrm>
+        </p:spPr>
+        <p:txBody>
+          <a:bodyPr>
+            <a:noAutofit/>
+          </a:bodyPr>
+          <a:lstStyle/>
+          <a:p>
+            <a:r>
+              <a:rPr lang="en-US" altLang="zh-CN" sz="2400" dirty="0" err="1" smtClean="0"/>
+              <a:t>Git</a:t>
+            </a:r>
+            <a:r>
+              <a:rPr lang="zh-CN" altLang="en-US" sz="2400" dirty="0" smtClean="0"/>
+              <a:t>日志</a:t>
+            </a:r>
+            <a:endParaRPr lang="zh-CN" altLang="en-US" sz="2400" dirty="0"/>
+          </a:p>
+        </p:txBody>
+      </p:sp>
+      <p:pic>
+        <p:nvPicPr>
+          <p:cNvPr id="19" name="内容占位符 18"/>
+          <p:cNvPicPr>
+            <a:picLocks noGrp="1" noChangeAspect="1"/>
+          </p:cNvPicPr>
+          <p:nvPr>
+            <p:ph idx="1"/>
+          </p:nvPr>
+        </p:nvPicPr>
+        <p:blipFill>
+          <a:blip r:embed="rId2"/>
+          <a:stretch>
+            <a:fillRect/>
+          </a:stretch>
+        </p:blipFill>
+        <p:spPr>
+          <a:xfrm>
+            <a:off x="838200" y="811764"/>
+            <a:ext cx="3954479" cy="5832475"/>
+          </a:xfrm>
+          <a:prstGeom prst="rect">
+            <a:avLst/>
+          </a:prstGeom>
+        </p:spPr>
+      </p:pic>
+      <p:pic>
+        <p:nvPicPr>
+          <p:cNvPr id="21" name="图片 20"/>
+          <p:cNvPicPr>
+            <a:picLocks noChangeAspect="1"/>
+          </p:cNvPicPr>
+          <p:nvPr/>
+        </p:nvPicPr>
+        <p:blipFill>
+          <a:blip r:embed="rId3"/>
+          <a:stretch>
+            <a:fillRect/>
+          </a:stretch>
+        </p:blipFill>
+        <p:spPr>
+          <a:xfrm>
+            <a:off x="6096000" y="811764"/>
+            <a:ext cx="4186829" cy="5832475"/>
+          </a:xfrm>
+          <a:prstGeom prst="rect">
+            <a:avLst/>
+          </a:prstGeom>
+        </p:spPr>
+      </p:pic>
+    </p:spTree>
+    <p:extLst>
+      <p:ext uri="{BB962C8B-B14F-4D97-AF65-F5344CB8AC3E}">
+        <p14:creationId xmlns:p14="http://schemas.microsoft.com/office/powerpoint/2010/main" val="2110206009"/>
+      </p:ext>
+    </p:extLst>
+  </p:cSld>
+  <p:clrMapOvr>
+    <a:masterClrMapping/>
+  </p:clrMapOvr>
+  <p:timing>
+    <p:tnLst>
+      <p:par>
+        <p:cTn id="1" dur="indefinite" restart="never" nodeType="tmRoot"/>
+      </p:par>
+    </p:tnLst>
+  </p:timing>
+</p:sld>
+</file>
+
+<file path=ppt/slides/slide5.xml><?xml version="1.0" encoding="utf-8"?>
+<p:sld xmlns:a="http://schemas.openxmlformats.org/drawingml/2006/main" xmlns:r="http://schemas.openxmlformats.org/officeDocument/2006/relationships" xmlns:p="http://schemas.openxmlformats.org/presentationml/2006/main">
+  <p:cSld>
+    <p:spTree>
+      <p:nvGrpSpPr>
+        <p:cNvPr id="1" name=""/>
+        <p:cNvGrpSpPr/>
+        <p:nvPr/>
+      </p:nvGrpSpPr>
+      <p:grpSpPr>
+        <a:xfrm>
+          <a:off x="0" y="0"/>
+          <a:ext cx="0" cy="0"/>
+          <a:chOff x="0" y="0"/>
+          <a:chExt cx="0" cy="0"/>
+        </a:xfrm>
+      </p:grpSpPr>
+      <p:pic>
+        <p:nvPicPr>
+          <p:cNvPr id="4" name="图片 3"/>
+          <p:cNvPicPr>
+            <a:picLocks noChangeAspect="1"/>
+          </p:cNvPicPr>
+          <p:nvPr/>
+        </p:nvPicPr>
+        <p:blipFill>
+          <a:blip r:embed="rId2"/>
+          <a:stretch>
+            <a:fillRect/>
+          </a:stretch>
+        </p:blipFill>
+        <p:spPr>
+          <a:xfrm>
+            <a:off x="811764" y="408907"/>
+            <a:ext cx="4993361" cy="6117269"/>
+          </a:xfrm>
+          <a:prstGeom prst="rect">
+            <a:avLst/>
+          </a:prstGeom>
+        </p:spPr>
+      </p:pic>
+      <p:pic>
+        <p:nvPicPr>
+          <p:cNvPr id="5" name="图片 4"/>
+          <p:cNvPicPr>
+            <a:picLocks noChangeAspect="1"/>
+          </p:cNvPicPr>
+          <p:nvPr/>
+        </p:nvPicPr>
+        <p:blipFill>
+          <a:blip r:embed="rId3"/>
+          <a:stretch>
+            <a:fillRect/>
+          </a:stretch>
+        </p:blipFill>
+        <p:spPr>
+          <a:xfrm>
+            <a:off x="6147121" y="408906"/>
+            <a:ext cx="4406032" cy="6117269"/>
+          </a:xfrm>
+          <a:prstGeom prst="rect">
+            <a:avLst/>
+          </a:prstGeom>
+        </p:spPr>
+      </p:pic>
+    </p:spTree>
+    <p:extLst>
+      <p:ext uri="{BB962C8B-B14F-4D97-AF65-F5344CB8AC3E}">
+        <p14:creationId xmlns:p14="http://schemas.microsoft.com/office/powerpoint/2010/main" val="824029613"/>
+      </p:ext>
+    </p:extLst>
+  </p:cSld>
+  <p:clrMapOvr>
+    <a:masterClrMapping/>
+  </p:clrMapOvr>
+  <p:timing>
+    <p:tnLst>
+      <p:par>
+        <p:cTn id="1" dur="indefinite" restart="never" nodeType="tmRoot"/>
+      </p:par>
+    </p:tnLst>
+  </p:timing>
+</p:sld>
+</file>
+
+<file path=ppt/slides/slide6.xml><?xml version="1.0" encoding="utf-8"?>
+<p:sld xmlns:a="http://schemas.openxmlformats.org/drawingml/2006/main" xmlns:r="http://schemas.openxmlformats.org/officeDocument/2006/relationships" xmlns:p="http://schemas.openxmlformats.org/presentationml/2006/main">
+  <p:cSld>
+    <p:spTree>
+      <p:nvGrpSpPr>
+        <p:cNvPr id="1" name=""/>
+        <p:cNvGrpSpPr/>
+        <p:nvPr/>
+      </p:nvGrpSpPr>
+      <p:grpSpPr>
+        <a:xfrm>
+          <a:off x="0" y="0"/>
+          <a:ext cx="0" cy="0"/>
+          <a:chOff x="0" y="0"/>
+          <a:chExt cx="0" cy="0"/>
+        </a:xfrm>
+      </p:grpSpPr>
+      <p:pic>
+        <p:nvPicPr>
+          <p:cNvPr id="2" name="图片 1"/>
+          <p:cNvPicPr>
+            <a:picLocks noChangeAspect="1"/>
+          </p:cNvPicPr>
+          <p:nvPr/>
+        </p:nvPicPr>
+        <p:blipFill>
+          <a:blip r:embed="rId2"/>
+          <a:stretch>
+            <a:fillRect/>
+          </a:stretch>
+        </p:blipFill>
+        <p:spPr>
+          <a:xfrm>
+            <a:off x="839756" y="390995"/>
+            <a:ext cx="5346440" cy="6143575"/>
+          </a:xfrm>
+          <a:prstGeom prst="rect">
+            <a:avLst/>
+          </a:prstGeom>
+        </p:spPr>
+      </p:pic>
+      <p:pic>
+        <p:nvPicPr>
+          <p:cNvPr id="3" name="图片 2"/>
+          <p:cNvPicPr>
+            <a:picLocks noChangeAspect="1"/>
+          </p:cNvPicPr>
+          <p:nvPr/>
+        </p:nvPicPr>
+        <p:blipFill>
+          <a:blip r:embed="rId3"/>
+          <a:stretch>
+            <a:fillRect/>
+          </a:stretch>
+        </p:blipFill>
+        <p:spPr>
+          <a:xfrm>
+            <a:off x="6186196" y="390995"/>
+            <a:ext cx="4721844" cy="1904744"/>
+          </a:xfrm>
+          <a:prstGeom prst="rect">
+            <a:avLst/>
+          </a:prstGeom>
+        </p:spPr>
+      </p:pic>
+    </p:spTree>
+    <p:extLst>
+      <p:ext uri="{BB962C8B-B14F-4D97-AF65-F5344CB8AC3E}">
+        <p14:creationId xmlns:p14="http://schemas.microsoft.com/office/powerpoint/2010/main" val="917703369"/>
+      </p:ext>
+    </p:extLst>
+  </p:cSld>
+  <p:clrMapOvr>
+    <a:masterClrMapping/>
+  </p:clrMapOvr>
+  <p:timing>
+    <p:tnLst>
+      <p:par>
+        <p:cTn id="1" dur="indefinite" restart="never" nodeType="tmRoot"/>
+      </p:par>
+    </p:tnLst>
+  </p:timing>
+</p:sld>
+</file>
+
+<file path=ppt/slides/slide7.xml><?xml version="1.0" encoding="utf-8"?>
+<p:sld xmlns:a="http://schemas.openxmlformats.org/drawingml/2006/main" xmlns:r="http://schemas.openxmlformats.org/officeDocument/2006/relationships" xmlns:p="http://schemas.openxmlformats.org/presentationml/2006/main">
+  <p:cSld>
+    <p:spTree>
+      <p:nvGrpSpPr>
+        <p:cNvPr id="1" name=""/>
+        <p:cNvGrpSpPr/>
+        <p:nvPr/>
+      </p:nvGrpSpPr>
+      <p:grpSpPr>
+        <a:xfrm>
+          <a:off x="0" y="0"/>
+          <a:ext cx="0" cy="0"/>
+          <a:chOff x="0" y="0"/>
+          <a:chExt cx="0" cy="0"/>
+        </a:xfrm>
+      </p:grpSpPr>
+      <p:sp>
+        <p:nvSpPr>
+          <p:cNvPr id="2" name="文本框 1"/>
+          <p:cNvSpPr txBox="1"/>
+          <p:nvPr/>
+        </p:nvSpPr>
+        <p:spPr>
+          <a:xfrm>
+            <a:off x="634481" y="373224"/>
+            <a:ext cx="3349690" cy="523220"/>
+          </a:xfrm>
+          <a:prstGeom prst="rect">
+            <a:avLst/>
+          </a:prstGeom>
+          <a:noFill/>
+        </p:spPr>
+        <p:txBody>
+          <a:bodyPr wrap="square" rtlCol="0">
+            <a:spAutoFit/>
+          </a:bodyPr>
+          <a:lstStyle/>
+          <a:p>
+            <a:r>
+              <a:rPr lang="zh-CN" altLang="en-US" sz="2800" dirty="0" smtClean="0"/>
+              <a:t>功能展示</a:t>
+            </a:r>
+            <a:endParaRPr lang="zh-CN" altLang="en-US" sz="2800" dirty="0"/>
+          </a:p>
+        </p:txBody>
+      </p:sp>
+      <p:sp>
+        <p:nvSpPr>
+          <p:cNvPr id="3" name="文本框 2"/>
+          <p:cNvSpPr txBox="1"/>
+          <p:nvPr/>
+        </p:nvSpPr>
+        <p:spPr>
+          <a:xfrm>
+            <a:off x="634481" y="1436916"/>
+            <a:ext cx="2425959" cy="369332"/>
+          </a:xfrm>
+          <a:prstGeom prst="rect">
+            <a:avLst/>
+          </a:prstGeom>
+          <a:noFill/>
+        </p:spPr>
+        <p:txBody>
+          <a:bodyPr wrap="square" rtlCol="0">
+            <a:spAutoFit/>
+          </a:bodyPr>
+          <a:lstStyle/>
+          <a:p>
+            <a:r>
+              <a:rPr lang="zh-CN" altLang="en-US" dirty="0" smtClean="0">
+                <a:hlinkClick r:id="rId2"/>
+              </a:rPr>
+              <a:t>前往官网</a:t>
+            </a:r>
+            <a:endParaRPr lang="zh-CN" altLang="en-US" dirty="0"/>
+          </a:p>
+        </p:txBody>
+      </p:sp>
+    </p:spTree>
+    <p:extLst>
+      <p:ext uri="{BB962C8B-B14F-4D97-AF65-F5344CB8AC3E}">
+        <p14:creationId xmlns:p14="http://schemas.microsoft.com/office/powerpoint/2010/main" val="3647469005"/>
+      </p:ext>
+    </p:extLst>
+  </p:cSld>
+  <p:clrMapOvr>
+    <a:masterClrMapping/>
+  </p:clrMapOvr>
+  <p:timing>
+    <p:tnLst>
+      <p:par>
+        <p:cTn id="1" dur="indefinite" restart="never" nodeType="tmRoot"/>
+      </p:par>
+    </p:tnLst>
+  </p:timing>
+</p:sld>
+</file>
+
+<file path=ppt/slides/slide8.xml><?xml version="1.0" encoding="utf-8"?>
+<p:sld xmlns:a="http://schemas.openxmlformats.org/drawingml/2006/main" xmlns:r="http://schemas.openxmlformats.org/officeDocument/2006/relationships" xmlns:p="http://schemas.openxmlformats.org/presentationml/2006/main">
+  <p:cSld>
+    <p:spTree>
+      <p:nvGrpSpPr>
+        <p:cNvPr id="1" name=""/>
+        <p:cNvGrpSpPr/>
+        <p:nvPr/>
+      </p:nvGrpSpPr>
+      <p:grpSpPr>
+        <a:xfrm>
+          <a:off x="0" y="0"/>
+          <a:ext cx="0" cy="0"/>
+          <a:chOff x="0" y="0"/>
+          <a:chExt cx="0" cy="0"/>
+        </a:xfrm>
+      </p:grpSpPr>
+      <p:sp>
+        <p:nvSpPr>
+          <p:cNvPr id="2" name="标题 1"/>
+          <p:cNvSpPr>
+            <a:spLocks noGrp="1"/>
+          </p:cNvSpPr>
+          <p:nvPr>
+            <p:ph type="title"/>
+          </p:nvPr>
+        </p:nvSpPr>
+        <p:spPr/>
+        <p:txBody>
+          <a:bodyPr/>
+          <a:lstStyle/>
+          <a:p>
+            <a:r>
+              <a:rPr lang="zh-CN" altLang="en-US" dirty="0" smtClean="0"/>
+              <a:t>绿建评价系统</a:t>
+            </a:r>
+            <a:endParaRPr lang="zh-CN" altLang="en-US" dirty="0"/>
+          </a:p>
+        </p:txBody>
+      </p:sp>
+      <p:sp>
+        <p:nvSpPr>
+          <p:cNvPr id="3" name="内容占位符 2"/>
+          <p:cNvSpPr>
+            <a:spLocks noGrp="1"/>
+          </p:cNvSpPr>
+          <p:nvPr>
+            <p:ph sz="half" idx="1"/>
+          </p:nvPr>
+        </p:nvSpPr>
+        <p:spPr/>
+        <p:txBody>
+          <a:bodyPr/>
+          <a:lstStyle/>
+          <a:p>
+            <a:pPr marL="0" indent="0">
+              <a:buNone/>
+            </a:pPr>
+            <a:r>
+              <a:rPr lang="zh-CN" altLang="en-US" dirty="0" smtClean="0"/>
+              <a:t>代码行数</a:t>
+            </a:r>
+            <a:endParaRPr lang="en-US" altLang="zh-CN" dirty="0" smtClean="0"/>
+          </a:p>
+          <a:p>
+            <a:pPr marL="0" indent="0">
+              <a:buNone/>
+            </a:pPr>
+            <a:endParaRPr lang="en-US" altLang="zh-CN" dirty="0" smtClean="0"/>
+          </a:p>
+          <a:p>
+            <a:r>
+              <a:rPr lang="zh-CN" altLang="zh-CN" sz="2000" dirty="0" smtClean="0"/>
+              <a:t>增加</a:t>
+            </a:r>
+            <a:r>
+              <a:rPr lang="zh-CN" altLang="zh-CN" sz="2000" dirty="0"/>
+              <a:t>的行数</a:t>
+            </a:r>
+            <a:r>
+              <a:rPr lang="en-US" altLang="zh-CN" sz="2000" dirty="0" smtClean="0"/>
+              <a:t>: 129269</a:t>
+            </a:r>
+          </a:p>
+          <a:p>
+            <a:r>
+              <a:rPr lang="zh-CN" altLang="zh-CN" sz="2000" dirty="0" smtClean="0"/>
+              <a:t>删除</a:t>
+            </a:r>
+            <a:r>
+              <a:rPr lang="zh-CN" altLang="zh-CN" sz="2000" dirty="0"/>
+              <a:t>的行数</a:t>
+            </a:r>
+            <a:r>
+              <a:rPr lang="en-US" altLang="zh-CN" sz="2000" dirty="0" smtClean="0"/>
+              <a:t>: 63840</a:t>
+            </a:r>
+          </a:p>
+          <a:p>
+            <a:r>
+              <a:rPr lang="zh-CN" altLang="zh-CN" sz="2000" dirty="0" smtClean="0"/>
+              <a:t>总行</a:t>
+            </a:r>
+            <a:r>
+              <a:rPr lang="zh-CN" altLang="zh-CN" sz="2000" dirty="0"/>
+              <a:t>数</a:t>
+            </a:r>
+            <a:r>
+              <a:rPr lang="en-US" altLang="zh-CN" sz="2000" dirty="0"/>
+              <a:t>: 65429</a:t>
+            </a:r>
+            <a:endParaRPr lang="zh-CN" altLang="en-US" sz="2000" dirty="0"/>
+          </a:p>
+        </p:txBody>
+      </p:sp>
+      <p:sp>
+        <p:nvSpPr>
+          <p:cNvPr id="4" name="内容占位符 3"/>
+          <p:cNvSpPr>
+            <a:spLocks noGrp="1"/>
+          </p:cNvSpPr>
+          <p:nvPr>
+            <p:ph sz="half" idx="2"/>
+          </p:nvPr>
+        </p:nvSpPr>
+        <p:spPr/>
+        <p:txBody>
+          <a:bodyPr/>
+          <a:lstStyle/>
+          <a:p>
+            <a:pPr marL="0" indent="0">
+              <a:buNone/>
+            </a:pPr>
+            <a:r>
+              <a:rPr lang="zh-CN" altLang="en-US" dirty="0" smtClean="0"/>
+              <a:t>功能</a:t>
+            </a:r>
+            <a:endParaRPr lang="en-US" altLang="zh-CN" dirty="0" smtClean="0"/>
+          </a:p>
+          <a:p>
+            <a:pPr marL="0" indent="0">
+              <a:buNone/>
+            </a:pPr>
+            <a:endParaRPr lang="en-US" altLang="zh-CN" dirty="0"/>
+          </a:p>
+          <a:p>
+            <a:r>
+              <a:rPr lang="zh-CN" altLang="en-US" sz="2000" dirty="0" smtClean="0"/>
+              <a:t>项目人员管理</a:t>
+            </a:r>
+            <a:endParaRPr lang="en-US" altLang="zh-CN" sz="2000" dirty="0" smtClean="0"/>
+          </a:p>
+          <a:p>
+            <a:r>
+              <a:rPr lang="zh-CN" altLang="en-US" sz="2000" dirty="0" smtClean="0"/>
+              <a:t>项目应用管理</a:t>
+            </a:r>
+            <a:endParaRPr lang="en-US" altLang="zh-CN" sz="2000" dirty="0" smtClean="0"/>
+          </a:p>
+          <a:p>
+            <a:r>
+              <a:rPr lang="zh-CN" altLang="en-US" sz="2000" dirty="0" smtClean="0"/>
+              <a:t>应用数据管理</a:t>
+            </a:r>
+            <a:endParaRPr lang="en-US" altLang="zh-CN" sz="2000" dirty="0" smtClean="0"/>
+          </a:p>
+          <a:p>
+            <a:r>
+              <a:rPr lang="zh-CN" altLang="en-US" sz="2000" dirty="0" smtClean="0"/>
+              <a:t>应用人员管理</a:t>
+            </a:r>
+            <a:endParaRPr lang="en-US" altLang="zh-CN" sz="2000" dirty="0" smtClean="0"/>
+          </a:p>
+          <a:p>
+            <a:r>
+              <a:rPr lang="zh-CN" altLang="en-US" sz="2000" dirty="0" smtClean="0"/>
+              <a:t>人员权限管理</a:t>
+            </a:r>
+            <a:endParaRPr lang="en-US" altLang="zh-CN" sz="2000" dirty="0" smtClean="0"/>
+          </a:p>
+          <a:p>
+            <a:r>
+              <a:rPr lang="zh-CN" altLang="en-US" sz="2000" dirty="0"/>
+              <a:t>浏览</a:t>
+            </a:r>
+            <a:r>
+              <a:rPr lang="zh-CN" altLang="en-US" sz="2000" dirty="0" smtClean="0"/>
+              <a:t>历史</a:t>
+            </a:r>
+            <a:endParaRPr lang="en-US" altLang="zh-CN" sz="2000" dirty="0" smtClean="0"/>
+          </a:p>
+          <a:p>
+            <a:r>
+              <a:rPr lang="zh-CN" altLang="en-US" sz="2000" dirty="0"/>
+              <a:t>等等</a:t>
+            </a:r>
+          </a:p>
+        </p:txBody>
+      </p:sp>
+    </p:spTree>
+    <p:extLst>
+      <p:ext uri="{BB962C8B-B14F-4D97-AF65-F5344CB8AC3E}">
+        <p14:creationId xmlns:p14="http://schemas.microsoft.com/office/powerpoint/2010/main" val="384001867"/>
+      </p:ext>
+    </p:extLst>
+  </p:cSld>
+  <p:clrMapOvr>
+    <a:masterClrMapping/>
+  </p:clrMapOvr>
+  <p:timing>
+    <p:tnLst>
+      <p:par>
+        <p:cTn id="1" dur="indefinite" restart="never" nodeType="tmRoot"/>
+      </p:par>
+    </p:tnLst>
+  </p:timing>
+</p:sld>
+</file>
+
+<file path=ppt/slides/slide9.xml><?xml version="1.0" encoding="utf-8"?>
+<p:sld xmlns:a="http://schemas.openxmlformats.org/drawingml/2006/main" xmlns:r="http://schemas.openxmlformats.org/officeDocument/2006/relationships" xmlns:p="http://schemas.openxmlformats.org/presentationml/2006/main">
+  <p:cSld>
+    <p:spTree>
+      <p:nvGrpSpPr>
+        <p:cNvPr id="1" name=""/>
+        <p:cNvGrpSpPr/>
+        <p:nvPr/>
+      </p:nvGrpSpPr>
+      <p:grpSpPr>
+        <a:xfrm>
+          <a:off x="0" y="0"/>
+          <a:ext cx="0" cy="0"/>
+          <a:chOff x="0" y="0"/>
+          <a:chExt cx="0" cy="0"/>
+        </a:xfrm>
+      </p:grpSpPr>
+      <p:sp>
+        <p:nvSpPr>
+          <p:cNvPr id="2" name="标题 1"/>
+          <p:cNvSpPr>
+            <a:spLocks noGrp="1"/>
+          </p:cNvSpPr>
+          <p:nvPr>
+            <p:ph type="title"/>
+          </p:nvPr>
+        </p:nvSpPr>
+        <p:spPr>
+          <a:xfrm>
+            <a:off x="838200" y="365126"/>
+            <a:ext cx="10515600" cy="474630"/>
+          </a:xfrm>
+        </p:spPr>
+        <p:txBody>
+          <a:bodyPr>
+            <a:normAutofit/>
+          </a:bodyPr>
+          <a:lstStyle/>
+          <a:p>
+            <a:r>
+              <a:rPr lang="en-US" altLang="zh-CN" sz="2400" dirty="0" err="1" smtClean="0"/>
+              <a:t>Git</a:t>
+            </a:r>
+            <a:r>
+              <a:rPr lang="zh-CN" altLang="en-US" sz="2400" dirty="0" smtClean="0"/>
+              <a:t>日志</a:t>
+            </a:r>
+            <a:endParaRPr lang="zh-CN" altLang="en-US" sz="2400" dirty="0"/>
+          </a:p>
+        </p:txBody>
+      </p:sp>
+      <p:pic>
+        <p:nvPicPr>
+          <p:cNvPr id="7" name="内容占位符 6"/>
+          <p:cNvPicPr>
+            <a:picLocks noGrp="1" noChangeAspect="1"/>
+          </p:cNvPicPr>
+          <p:nvPr>
+            <p:ph sz="half" idx="1"/>
+          </p:nvPr>
+        </p:nvPicPr>
+        <p:blipFill>
+          <a:blip r:embed="rId2"/>
+          <a:stretch>
+            <a:fillRect/>
+          </a:stretch>
+        </p:blipFill>
+        <p:spPr>
+          <a:xfrm>
+            <a:off x="838200" y="839756"/>
+            <a:ext cx="5181600" cy="4412680"/>
+          </a:xfrm>
+          <a:prstGeom prst="rect">
+            <a:avLst/>
+          </a:prstGeom>
+        </p:spPr>
+      </p:pic>
+      <p:pic>
+        <p:nvPicPr>
+          <p:cNvPr id="8" name="内容占位符 7"/>
+          <p:cNvPicPr>
+            <a:picLocks noGrp="1" noChangeAspect="1"/>
+          </p:cNvPicPr>
+          <p:nvPr>
+            <p:ph sz="half" idx="2"/>
+          </p:nvPr>
+        </p:nvPicPr>
+        <p:blipFill>
+          <a:blip r:embed="rId3"/>
+          <a:stretch>
+            <a:fillRect/>
+          </a:stretch>
+        </p:blipFill>
+        <p:spPr>
+          <a:xfrm>
+            <a:off x="6301307" y="839788"/>
+            <a:ext cx="4923386" cy="5337175"/>
+          </a:xfrm>
+          <a:prstGeom prst="rect">
+            <a:avLst/>
+          </a:prstGeom>
+        </p:spPr>
+      </p:pic>
+    </p:spTree>
+    <p:extLst>
+      <p:ext uri="{BB962C8B-B14F-4D97-AF65-F5344CB8AC3E}">
+        <p14:creationId xmlns:p14="http://schemas.microsoft.com/office/powerpoint/2010/main" val="3174215824"/>
+      </p:ext>
+    </p:extLst>
+  </p:cSld>
+  <p:clrMapOvr>
+    <a:masterClrMapping/>
+  </p:clrMapOvr>
+  <p:timing>
+    <p:tnLst>
+      <p:par>
+        <p:cTn id="1" dur="indefinite" restart="never" nodeType="tmRoot"/>
+      </p:par>
+    </p:tnLst>
+  </p:timing>
 </p:sld>
 </file>
 
